--- a/Lecture11_Innovation/L11Slides_Innovation_2023W.pptx
+++ b/Lecture11_Innovation/L11Slides_Innovation_2023W.pptx
@@ -256,7 +256,7 @@
           <a:p>
             <a:fld id="{EF911157-0FC2-4F06-8D61-FD647FE4E19D}" type="datetimeFigureOut">
               <a:rPr lang="en-US" smtClean="0"/>
-              <a:t>3/23/2023</a:t>
+              <a:t>4/3/2024</a:t>
             </a:fld>
             <a:endParaRPr lang="en-US"/>
           </a:p>
@@ -4994,7 +4994,7 @@
             <a:fld id="{0972D05C-DCFB-4BB6-B49C-AC126BF3ED2C}" type="datetimeFigureOut">
               <a:rPr lang="en-US" smtClean="0"/>
               <a:pPr/>
-              <a:t>3/23/2023</a:t>
+              <a:t>4/3/2024</a:t>
             </a:fld>
             <a:endParaRPr lang="en-US"/>
           </a:p>
@@ -5224,7 +5224,7 @@
             <a:fld id="{0972D05C-DCFB-4BB6-B49C-AC126BF3ED2C}" type="datetimeFigureOut">
               <a:rPr lang="en-US" smtClean="0"/>
               <a:pPr/>
-              <a:t>3/23/2023</a:t>
+              <a:t>4/3/2024</a:t>
             </a:fld>
             <a:endParaRPr lang="en-US"/>
           </a:p>
@@ -5406,7 +5406,7 @@
             <a:fld id="{0972D05C-DCFB-4BB6-B49C-AC126BF3ED2C}" type="datetimeFigureOut">
               <a:rPr lang="en-US" smtClean="0"/>
               <a:pPr/>
-              <a:t>3/23/2023</a:t>
+              <a:t>4/3/2024</a:t>
             </a:fld>
             <a:endParaRPr lang="en-US"/>
           </a:p>
@@ -5578,7 +5578,7 @@
             <a:fld id="{0972D05C-DCFB-4BB6-B49C-AC126BF3ED2C}" type="datetimeFigureOut">
               <a:rPr lang="en-US" smtClean="0"/>
               <a:pPr/>
-              <a:t>3/23/2023</a:t>
+              <a:t>4/3/2024</a:t>
             </a:fld>
             <a:endParaRPr lang="en-US"/>
           </a:p>
@@ -5834,7 +5834,7 @@
             <a:fld id="{0972D05C-DCFB-4BB6-B49C-AC126BF3ED2C}" type="datetimeFigureOut">
               <a:rPr lang="en-US" smtClean="0"/>
               <a:pPr/>
-              <a:t>3/23/2023</a:t>
+              <a:t>4/3/2024</a:t>
             </a:fld>
             <a:endParaRPr lang="en-US"/>
           </a:p>
@@ -6162,7 +6162,7 @@
             <a:fld id="{0972D05C-DCFB-4BB6-B49C-AC126BF3ED2C}" type="datetimeFigureOut">
               <a:rPr lang="en-US" smtClean="0"/>
               <a:pPr/>
-              <a:t>3/23/2023</a:t>
+              <a:t>4/3/2024</a:t>
             </a:fld>
             <a:endParaRPr lang="en-US"/>
           </a:p>
@@ -6615,7 +6615,7 @@
             <a:fld id="{0972D05C-DCFB-4BB6-B49C-AC126BF3ED2C}" type="datetimeFigureOut">
               <a:rPr lang="en-US" smtClean="0"/>
               <a:pPr/>
-              <a:t>3/23/2023</a:t>
+              <a:t>4/3/2024</a:t>
             </a:fld>
             <a:endParaRPr lang="en-US"/>
           </a:p>
@@ -6735,7 +6735,7 @@
             <a:fld id="{0972D05C-DCFB-4BB6-B49C-AC126BF3ED2C}" type="datetimeFigureOut">
               <a:rPr lang="en-US" smtClean="0"/>
               <a:pPr/>
-              <a:t>3/23/2023</a:t>
+              <a:t>4/3/2024</a:t>
             </a:fld>
             <a:endParaRPr lang="en-US"/>
           </a:p>
@@ -6832,7 +6832,7 @@
             <a:fld id="{0972D05C-DCFB-4BB6-B49C-AC126BF3ED2C}" type="datetimeFigureOut">
               <a:rPr lang="en-US" smtClean="0"/>
               <a:pPr/>
-              <a:t>3/23/2023</a:t>
+              <a:t>4/3/2024</a:t>
             </a:fld>
             <a:endParaRPr lang="en-US"/>
           </a:p>
@@ -7121,7 +7121,7 @@
             <a:fld id="{0972D05C-DCFB-4BB6-B49C-AC126BF3ED2C}" type="datetimeFigureOut">
               <a:rPr lang="en-US" smtClean="0"/>
               <a:pPr/>
-              <a:t>3/23/2023</a:t>
+              <a:t>4/3/2024</a:t>
             </a:fld>
             <a:endParaRPr lang="en-US"/>
           </a:p>
@@ -7445,7 +7445,7 @@
             <a:fld id="{0972D05C-DCFB-4BB6-B49C-AC126BF3ED2C}" type="datetimeFigureOut">
               <a:rPr lang="en-US" smtClean="0"/>
               <a:pPr/>
-              <a:t>3/23/2023</a:t>
+              <a:t>4/3/2024</a:t>
             </a:fld>
             <a:endParaRPr lang="en-US"/>
           </a:p>
@@ -7700,7 +7700,7 @@
             <a:fld id="{0972D05C-DCFB-4BB6-B49C-AC126BF3ED2C}" type="datetimeFigureOut">
               <a:rPr lang="en-US" smtClean="0"/>
               <a:pPr/>
-              <a:t>3/23/2023</a:t>
+              <a:t>4/3/2024</a:t>
             </a:fld>
             <a:endParaRPr lang="en-US" dirty="0"/>
           </a:p>
@@ -8249,9 +8249,10 @@
           </a:p>
           <a:p>
             <a:r>
-              <a:rPr lang="en-US" sz="2400" dirty="0"/>
-              <a:t>March 29, 2023</a:t>
-            </a:r>
+              <a:rPr lang="en-US" sz="2400"/>
+              <a:t>April 3, 2024</a:t>
+            </a:r>
+            <a:endParaRPr lang="en-US" sz="2400" dirty="0"/>
           </a:p>
           <a:p>
             <a:endParaRPr lang="en-US" sz="2400" dirty="0"/>
@@ -12276,8 +12277,8 @@
           </a:fontRef>
         </p:style>
       </p:cxnSp>
-      <mc:AlternateContent xmlns:mc="http://schemas.openxmlformats.org/markup-compatibility/2006">
-        <mc:Choice xmlns:a14="http://schemas.microsoft.com/office/drawing/2010/main" Requires="a14">
+      <mc:AlternateContent xmlns:mc="http://schemas.openxmlformats.org/markup-compatibility/2006" xmlns:a14="http://schemas.microsoft.com/office/drawing/2010/main">
+        <mc:Choice Requires="a14">
           <p:sp>
             <p:nvSpPr>
               <p:cNvPr id="7" name="TextBox 6">
@@ -12366,7 +12367,7 @@
             </p:txBody>
           </p:sp>
         </mc:Choice>
-        <mc:Fallback>
+        <mc:Fallback xmlns="">
           <p:sp>
             <p:nvSpPr>
               <p:cNvPr id="7" name="TextBox 6">
@@ -12611,8 +12612,8 @@
           </a:fontRef>
         </p:style>
       </p:cxnSp>
-      <mc:AlternateContent xmlns:mc="http://schemas.openxmlformats.org/markup-compatibility/2006">
-        <mc:Choice xmlns:a14="http://schemas.microsoft.com/office/drawing/2010/main" Requires="a14">
+      <mc:AlternateContent xmlns:mc="http://schemas.openxmlformats.org/markup-compatibility/2006" xmlns:a14="http://schemas.microsoft.com/office/drawing/2010/main">
+        <mc:Choice Requires="a14">
           <p:sp>
             <p:nvSpPr>
               <p:cNvPr id="7" name="TextBox 6">
@@ -12701,7 +12702,7 @@
             </p:txBody>
           </p:sp>
         </mc:Choice>
-        <mc:Fallback>
+        <mc:Fallback xmlns="">
           <p:sp>
             <p:nvSpPr>
               <p:cNvPr id="7" name="TextBox 6">
@@ -14966,8 +14967,8 @@
           <a:chExt cx="0" cy="0"/>
         </a:xfrm>
       </p:grpSpPr>
-      <mc:AlternateContent xmlns:mc="http://schemas.openxmlformats.org/markup-compatibility/2006">
-        <mc:Choice xmlns:a14="http://schemas.microsoft.com/office/drawing/2010/main" Requires="a14">
+      <mc:AlternateContent xmlns:mc="http://schemas.openxmlformats.org/markup-compatibility/2006" xmlns:a14="http://schemas.microsoft.com/office/drawing/2010/main">
+        <mc:Choice Requires="a14">
           <p:sp>
             <p:nvSpPr>
               <p:cNvPr id="3" name="Content Placeholder 2"/>
@@ -15215,7 +15216,7 @@
             </p:txBody>
           </p:sp>
         </mc:Choice>
-        <mc:Fallback>
+        <mc:Fallback xmlns="">
           <p:sp>
             <p:nvSpPr>
               <p:cNvPr id="3" name="Content Placeholder 2"/>
@@ -15339,8 +15340,8 @@
           <a:chExt cx="0" cy="0"/>
         </a:xfrm>
       </p:grpSpPr>
-      <mc:AlternateContent xmlns:mc="http://schemas.openxmlformats.org/markup-compatibility/2006">
-        <mc:Choice xmlns:a14="http://schemas.microsoft.com/office/drawing/2010/main" Requires="a14">
+      <mc:AlternateContent xmlns:mc="http://schemas.openxmlformats.org/markup-compatibility/2006" xmlns:a14="http://schemas.microsoft.com/office/drawing/2010/main">
+        <mc:Choice Requires="a14">
           <p:sp>
             <p:nvSpPr>
               <p:cNvPr id="3" name="Content Placeholder 2"/>
@@ -15712,7 +15713,7 @@
             </p:txBody>
           </p:sp>
         </mc:Choice>
-        <mc:Fallback>
+        <mc:Fallback xmlns="">
           <p:sp>
             <p:nvSpPr>
               <p:cNvPr id="3" name="Content Placeholder 2"/>
@@ -15836,8 +15837,8 @@
           <a:chExt cx="0" cy="0"/>
         </a:xfrm>
       </p:grpSpPr>
-      <mc:AlternateContent xmlns:mc="http://schemas.openxmlformats.org/markup-compatibility/2006">
-        <mc:Choice xmlns:a14="http://schemas.microsoft.com/office/drawing/2010/main" Requires="a14">
+      <mc:AlternateContent xmlns:mc="http://schemas.openxmlformats.org/markup-compatibility/2006" xmlns:a14="http://schemas.microsoft.com/office/drawing/2010/main">
+        <mc:Choice Requires="a14">
           <p:sp>
             <p:nvSpPr>
               <p:cNvPr id="3" name="Content Placeholder 2"/>
@@ -16457,7 +16458,7 @@
             </p:txBody>
           </p:sp>
         </mc:Choice>
-        <mc:Fallback>
+        <mc:Fallback xmlns="">
           <p:sp>
             <p:nvSpPr>
               <p:cNvPr id="3" name="Content Placeholder 2"/>
@@ -16736,8 +16737,8 @@
           <a:chExt cx="0" cy="0"/>
         </a:xfrm>
       </p:grpSpPr>
-      <mc:AlternateContent xmlns:mc="http://schemas.openxmlformats.org/markup-compatibility/2006">
-        <mc:Choice xmlns:a14="http://schemas.microsoft.com/office/drawing/2010/main" Requires="a14">
+      <mc:AlternateContent xmlns:mc="http://schemas.openxmlformats.org/markup-compatibility/2006" xmlns:a14="http://schemas.microsoft.com/office/drawing/2010/main">
+        <mc:Choice Requires="a14">
           <p:sp>
             <p:nvSpPr>
               <p:cNvPr id="3" name="Content Placeholder 2"/>
@@ -16828,7 +16829,7 @@
             </p:txBody>
           </p:sp>
         </mc:Choice>
-        <mc:Fallback>
+        <mc:Fallback xmlns="">
           <p:sp>
             <p:nvSpPr>
               <p:cNvPr id="3" name="Content Placeholder 2"/>
